--- a/MidTerm/Part-2/Presentation/MidTermTeam10.pptx
+++ b/MidTerm/Part-2/Presentation/MidTermTeam10.pptx
@@ -9,12 +9,19 @@
     <p:sldId id="257" r:id="rId3"/>
     <p:sldId id="258" r:id="rId4"/>
     <p:sldId id="259" r:id="rId5"/>
-    <p:sldId id="264" r:id="rId6"/>
+    <p:sldId id="273" r:id="rId6"/>
     <p:sldId id="260" r:id="rId7"/>
     <p:sldId id="261" r:id="rId8"/>
-    <p:sldId id="262" r:id="rId9"/>
-    <p:sldId id="263" r:id="rId10"/>
-    <p:sldId id="265" r:id="rId11"/>
+    <p:sldId id="272" r:id="rId9"/>
+    <p:sldId id="262" r:id="rId10"/>
+    <p:sldId id="266" r:id="rId11"/>
+    <p:sldId id="267" r:id="rId12"/>
+    <p:sldId id="263" r:id="rId13"/>
+    <p:sldId id="271" r:id="rId14"/>
+    <p:sldId id="268" r:id="rId15"/>
+    <p:sldId id="269" r:id="rId16"/>
+    <p:sldId id="270" r:id="rId17"/>
+    <p:sldId id="265" r:id="rId18"/>
   </p:sldIdLst>
   <p:sldSz cx="12192000" cy="6858000"/>
   <p:notesSz cx="6858000" cy="9144000"/>
@@ -113,6 +120,11 @@
       </a:defRPr>
     </a:lvl9pPr>
   </p:defaultTextStyle>
+  <p:extLst>
+    <p:ext uri="{EFAFB233-063F-42B5-8137-9DF3F51BA10A}">
+      <p15:sldGuideLst xmlns:p15="http://schemas.microsoft.com/office/powerpoint/2012/main"/>
+    </p:ext>
+  </p:extLst>
 </p:presentation>
 </file>
 
@@ -255,7 +267,7 @@
           <a:p>
             <a:fld id="{D9BCF4EC-C64F-D946-925E-3DEBF9257346}" type="datetimeFigureOut">
               <a:rPr lang="en-US" smtClean="0"/>
-              <a:t>7/8/16</a:t>
+              <a:t>7/9/16</a:t>
             </a:fld>
             <a:endParaRPr lang="en-US"/>
           </a:p>
@@ -466,7 +478,7 @@
           <a:p>
             <a:fld id="{D9BCF4EC-C64F-D946-925E-3DEBF9257346}" type="datetimeFigureOut">
               <a:rPr lang="en-US" smtClean="0"/>
-              <a:t>7/8/16</a:t>
+              <a:t>7/9/16</a:t>
             </a:fld>
             <a:endParaRPr lang="en-US"/>
           </a:p>
@@ -681,7 +693,7 @@
           <a:p>
             <a:fld id="{D9BCF4EC-C64F-D946-925E-3DEBF9257346}" type="datetimeFigureOut">
               <a:rPr lang="en-US" smtClean="0"/>
-              <a:t>7/8/16</a:t>
+              <a:t>7/9/16</a:t>
             </a:fld>
             <a:endParaRPr lang="en-US"/>
           </a:p>
@@ -882,7 +894,7 @@
           <a:p>
             <a:fld id="{D9BCF4EC-C64F-D946-925E-3DEBF9257346}" type="datetimeFigureOut">
               <a:rPr lang="en-US" smtClean="0"/>
-              <a:t>7/8/16</a:t>
+              <a:t>7/9/16</a:t>
             </a:fld>
             <a:endParaRPr lang="en-US"/>
           </a:p>
@@ -1161,7 +1173,7 @@
           <a:p>
             <a:fld id="{D9BCF4EC-C64F-D946-925E-3DEBF9257346}" type="datetimeFigureOut">
               <a:rPr lang="en-US" smtClean="0"/>
-              <a:t>7/8/16</a:t>
+              <a:t>7/9/16</a:t>
             </a:fld>
             <a:endParaRPr lang="en-US"/>
           </a:p>
@@ -1429,7 +1441,7 @@
           <a:p>
             <a:fld id="{D9BCF4EC-C64F-D946-925E-3DEBF9257346}" type="datetimeFigureOut">
               <a:rPr lang="en-US" smtClean="0"/>
-              <a:t>7/8/16</a:t>
+              <a:t>7/9/16</a:t>
             </a:fld>
             <a:endParaRPr lang="en-US"/>
           </a:p>
@@ -1845,7 +1857,7 @@
           <a:p>
             <a:fld id="{D9BCF4EC-C64F-D946-925E-3DEBF9257346}" type="datetimeFigureOut">
               <a:rPr lang="en-US" smtClean="0"/>
-              <a:t>7/8/16</a:t>
+              <a:t>7/9/16</a:t>
             </a:fld>
             <a:endParaRPr lang="en-US"/>
           </a:p>
@@ -1994,7 +2006,7 @@
           <a:p>
             <a:fld id="{D9BCF4EC-C64F-D946-925E-3DEBF9257346}" type="datetimeFigureOut">
               <a:rPr lang="en-US" smtClean="0"/>
-              <a:t>7/8/16</a:t>
+              <a:t>7/9/16</a:t>
             </a:fld>
             <a:endParaRPr lang="en-US"/>
           </a:p>
@@ -2120,7 +2132,7 @@
           <a:p>
             <a:fld id="{D9BCF4EC-C64F-D946-925E-3DEBF9257346}" type="datetimeFigureOut">
               <a:rPr lang="en-US" smtClean="0"/>
-              <a:t>7/8/16</a:t>
+              <a:t>7/9/16</a:t>
             </a:fld>
             <a:endParaRPr lang="en-US"/>
           </a:p>
@@ -2371,7 +2383,7 @@
           <a:p>
             <a:fld id="{D9BCF4EC-C64F-D946-925E-3DEBF9257346}" type="datetimeFigureOut">
               <a:rPr lang="en-US" smtClean="0"/>
-              <a:t>7/8/16</a:t>
+              <a:t>7/9/16</a:t>
             </a:fld>
             <a:endParaRPr lang="en-US"/>
           </a:p>
@@ -2816,7 +2828,7 @@
           <a:p>
             <a:fld id="{D9BCF4EC-C64F-D946-925E-3DEBF9257346}" type="datetimeFigureOut">
               <a:rPr lang="en-US" smtClean="0"/>
-              <a:t>7/8/16</a:t>
+              <a:t>7/9/16</a:t>
             </a:fld>
             <a:endParaRPr lang="en-US"/>
           </a:p>
@@ -3142,7 +3154,7 @@
           <a:p>
             <a:fld id="{D9BCF4EC-C64F-D946-925E-3DEBF9257346}" type="datetimeFigureOut">
               <a:rPr lang="en-US" smtClean="0"/>
-              <a:t>7/8/16</a:t>
+              <a:t>7/9/16</a:t>
             </a:fld>
             <a:endParaRPr lang="en-US"/>
           </a:p>
@@ -3993,6 +4005,927 @@
         </p:nvSpPr>
         <p:spPr/>
         <p:txBody>
+          <a:bodyPr/>
+          <a:lstStyle/>
+          <a:p>
+            <a:r>
+              <a:rPr lang="en-US" dirty="0" smtClean="0"/>
+              <a:t>ROC Curve</a:t>
+            </a:r>
+            <a:endParaRPr lang="en-US" dirty="0"/>
+          </a:p>
+        </p:txBody>
+      </p:sp>
+      <p:pic>
+        <p:nvPicPr>
+          <p:cNvPr id="4" name="Content Placeholder 3"/>
+          <p:cNvPicPr>
+            <a:picLocks noGrp="1" noChangeAspect="1"/>
+          </p:cNvPicPr>
+          <p:nvPr>
+            <p:ph idx="1"/>
+          </p:nvPr>
+        </p:nvPicPr>
+        <p:blipFill>
+          <a:blip r:embed="rId2">
+            <a:extLst>
+              <a:ext uri="{28A0092B-C50C-407E-A947-70E740481C1C}">
+                <a14:useLocalDpi xmlns:a14="http://schemas.microsoft.com/office/drawing/2010/main" val="0"/>
+              </a:ext>
+            </a:extLst>
+          </a:blip>
+          <a:stretch>
+            <a:fillRect/>
+          </a:stretch>
+        </p:blipFill>
+        <p:spPr>
+          <a:xfrm>
+            <a:off x="1676399" y="2016125"/>
+            <a:ext cx="9177867" cy="3449638"/>
+          </a:xfrm>
+          <a:prstGeom prst="rect">
+            <a:avLst/>
+          </a:prstGeom>
+          <a:ln w="127000" cap="sq">
+            <a:solidFill>
+              <a:srgbClr val="000000"/>
+            </a:solidFill>
+            <a:miter lim="800000"/>
+          </a:ln>
+          <a:effectLst>
+            <a:outerShdw blurRad="57150" dist="50800" dir="2700000" algn="tl" rotWithShape="0">
+              <a:srgbClr val="000000">
+                <a:alpha val="40000"/>
+              </a:srgbClr>
+            </a:outerShdw>
+          </a:effectLst>
+        </p:spPr>
+      </p:pic>
+    </p:spTree>
+    <p:extLst>
+      <p:ext uri="{BB962C8B-B14F-4D97-AF65-F5344CB8AC3E}">
+        <p14:creationId xmlns:p14="http://schemas.microsoft.com/office/powerpoint/2010/main" val="1467603137"/>
+      </p:ext>
+    </p:extLst>
+  </p:cSld>
+  <p:clrMapOvr>
+    <a:masterClrMapping/>
+  </p:clrMapOvr>
+  <p:timing>
+    <p:tnLst>
+      <p:par>
+        <p:cTn id="1" dur="indefinite" restart="never" nodeType="tmRoot"/>
+      </p:par>
+    </p:tnLst>
+  </p:timing>
+</p:sld>
+</file>
+
+<file path=ppt/slides/slide11.xml><?xml version="1.0" encoding="utf-8"?>
+<p:sld xmlns:a="http://schemas.openxmlformats.org/drawingml/2006/main" xmlns:r="http://schemas.openxmlformats.org/officeDocument/2006/relationships" xmlns:p="http://schemas.openxmlformats.org/presentationml/2006/main">
+  <p:cSld>
+    <p:spTree>
+      <p:nvGrpSpPr>
+        <p:cNvPr id="1" name=""/>
+        <p:cNvGrpSpPr/>
+        <p:nvPr/>
+      </p:nvGrpSpPr>
+      <p:grpSpPr>
+        <a:xfrm>
+          <a:off x="0" y="0"/>
+          <a:ext cx="0" cy="0"/>
+          <a:chOff x="0" y="0"/>
+          <a:chExt cx="0" cy="0"/>
+        </a:xfrm>
+      </p:grpSpPr>
+      <p:sp>
+        <p:nvSpPr>
+          <p:cNvPr id="2" name="Title 1"/>
+          <p:cNvSpPr>
+            <a:spLocks noGrp="1"/>
+          </p:cNvSpPr>
+          <p:nvPr>
+            <p:ph type="title"/>
+          </p:nvPr>
+        </p:nvSpPr>
+        <p:spPr/>
+        <p:txBody>
+          <a:bodyPr/>
+          <a:lstStyle/>
+          <a:p>
+            <a:r>
+              <a:rPr lang="en-US" dirty="0" smtClean="0"/>
+              <a:t>Lift Chart</a:t>
+            </a:r>
+            <a:endParaRPr lang="en-US" dirty="0"/>
+          </a:p>
+        </p:txBody>
+      </p:sp>
+      <p:pic>
+        <p:nvPicPr>
+          <p:cNvPr id="4" name="Content Placeholder 3"/>
+          <p:cNvPicPr>
+            <a:picLocks noGrp="1" noChangeAspect="1"/>
+          </p:cNvPicPr>
+          <p:nvPr>
+            <p:ph idx="1"/>
+          </p:nvPr>
+        </p:nvPicPr>
+        <p:blipFill>
+          <a:blip r:embed="rId2">
+            <a:extLst>
+              <a:ext uri="{28A0092B-C50C-407E-A947-70E740481C1C}">
+                <a14:useLocalDpi xmlns:a14="http://schemas.microsoft.com/office/drawing/2010/main" val="0"/>
+              </a:ext>
+            </a:extLst>
+          </a:blip>
+          <a:stretch>
+            <a:fillRect/>
+          </a:stretch>
+        </p:blipFill>
+        <p:spPr>
+          <a:xfrm>
+            <a:off x="2959018" y="1999192"/>
+            <a:ext cx="6520556" cy="3449638"/>
+          </a:xfrm>
+          <a:prstGeom prst="rect">
+            <a:avLst/>
+          </a:prstGeom>
+          <a:ln w="127000" cap="sq">
+            <a:solidFill>
+              <a:srgbClr val="000000"/>
+            </a:solidFill>
+            <a:miter lim="800000"/>
+          </a:ln>
+          <a:effectLst>
+            <a:outerShdw blurRad="57150" dist="50800" dir="2700000" algn="tl" rotWithShape="0">
+              <a:srgbClr val="000000">
+                <a:alpha val="40000"/>
+              </a:srgbClr>
+            </a:outerShdw>
+          </a:effectLst>
+        </p:spPr>
+      </p:pic>
+    </p:spTree>
+    <p:extLst>
+      <p:ext uri="{BB962C8B-B14F-4D97-AF65-F5344CB8AC3E}">
+        <p14:creationId xmlns:p14="http://schemas.microsoft.com/office/powerpoint/2010/main" val="1101556423"/>
+      </p:ext>
+    </p:extLst>
+  </p:cSld>
+  <p:clrMapOvr>
+    <a:masterClrMapping/>
+  </p:clrMapOvr>
+  <p:timing>
+    <p:tnLst>
+      <p:par>
+        <p:cTn id="1" dur="indefinite" restart="never" nodeType="tmRoot"/>
+      </p:par>
+    </p:tnLst>
+  </p:timing>
+</p:sld>
+</file>
+
+<file path=ppt/slides/slide12.xml><?xml version="1.0" encoding="utf-8"?>
+<p:sld xmlns:a="http://schemas.openxmlformats.org/drawingml/2006/main" xmlns:r="http://schemas.openxmlformats.org/officeDocument/2006/relationships" xmlns:p="http://schemas.openxmlformats.org/presentationml/2006/main">
+  <p:cSld>
+    <p:spTree>
+      <p:nvGrpSpPr>
+        <p:cNvPr id="1" name=""/>
+        <p:cNvGrpSpPr/>
+        <p:nvPr/>
+      </p:nvGrpSpPr>
+      <p:grpSpPr>
+        <a:xfrm>
+          <a:off x="0" y="0"/>
+          <a:ext cx="0" cy="0"/>
+          <a:chOff x="0" y="0"/>
+          <a:chExt cx="0" cy="0"/>
+        </a:xfrm>
+      </p:grpSpPr>
+      <p:sp>
+        <p:nvSpPr>
+          <p:cNvPr id="2" name="Title 1"/>
+          <p:cNvSpPr>
+            <a:spLocks noGrp="1"/>
+          </p:cNvSpPr>
+          <p:nvPr>
+            <p:ph type="title"/>
+          </p:nvPr>
+        </p:nvSpPr>
+        <p:spPr/>
+        <p:txBody>
+          <a:bodyPr/>
+          <a:lstStyle/>
+          <a:p>
+            <a:r>
+              <a:rPr lang="en-US" dirty="0"/>
+              <a:t>Classification trees</a:t>
+            </a:r>
+            <a:br>
+              <a:rPr lang="en-US" dirty="0"/>
+            </a:br>
+            <a:endParaRPr lang="en-US" dirty="0"/>
+          </a:p>
+        </p:txBody>
+      </p:sp>
+      <p:pic>
+        <p:nvPicPr>
+          <p:cNvPr id="4" name="Content Placeholder 3"/>
+          <p:cNvPicPr>
+            <a:picLocks noGrp="1" noChangeAspect="1"/>
+          </p:cNvPicPr>
+          <p:nvPr>
+            <p:ph idx="1"/>
+          </p:nvPr>
+        </p:nvPicPr>
+        <p:blipFill>
+          <a:blip r:embed="rId2">
+            <a:extLst>
+              <a:ext uri="{28A0092B-C50C-407E-A947-70E740481C1C}">
+                <a14:useLocalDpi xmlns:a14="http://schemas.microsoft.com/office/drawing/2010/main" val="0"/>
+              </a:ext>
+            </a:extLst>
+          </a:blip>
+          <a:stretch>
+            <a:fillRect/>
+          </a:stretch>
+        </p:blipFill>
+        <p:spPr>
+          <a:xfrm>
+            <a:off x="8256344" y="1853754"/>
+            <a:ext cx="3308836" cy="3449638"/>
+          </a:xfrm>
+          <a:prstGeom prst="rect">
+            <a:avLst/>
+          </a:prstGeom>
+          <a:ln w="88900" cap="sq" cmpd="thickThin">
+            <a:solidFill>
+              <a:srgbClr val="000000"/>
+            </a:solidFill>
+            <a:prstDash val="solid"/>
+            <a:miter lim="800000"/>
+          </a:ln>
+          <a:effectLst>
+            <a:innerShdw blurRad="76200">
+              <a:srgbClr val="000000"/>
+            </a:innerShdw>
+          </a:effectLst>
+        </p:spPr>
+      </p:pic>
+      <p:sp>
+        <p:nvSpPr>
+          <p:cNvPr id="5" name="Rectangle 4"/>
+          <p:cNvSpPr/>
+          <p:nvPr/>
+        </p:nvSpPr>
+        <p:spPr>
+          <a:xfrm>
+            <a:off x="1088549" y="2467170"/>
+            <a:ext cx="6096000" cy="1754326"/>
+          </a:xfrm>
+          <a:prstGeom prst="rect">
+            <a:avLst/>
+          </a:prstGeom>
+        </p:spPr>
+        <p:txBody>
+          <a:bodyPr>
+            <a:spAutoFit/>
+          </a:bodyPr>
+          <a:lstStyle/>
+          <a:p>
+            <a:pPr marL="285750" indent="-285750">
+              <a:buFont typeface="Arial" charset="0"/>
+              <a:buChar char="•"/>
+            </a:pPr>
+            <a:r>
+              <a:rPr lang="en-US" altLang="en-US" dirty="0" smtClean="0"/>
+              <a:t>Relatively fast compared to other classification models</a:t>
+            </a:r>
+          </a:p>
+          <a:p>
+            <a:pPr marL="285750" indent="-285750">
+              <a:buFont typeface="Arial" charset="0"/>
+              <a:buChar char="•"/>
+            </a:pPr>
+            <a:r>
+              <a:rPr lang="en-US" altLang="en-US" dirty="0" smtClean="0"/>
+              <a:t>Obtain similar and sometimes better accuracy compared to other models</a:t>
+            </a:r>
+          </a:p>
+          <a:p>
+            <a:pPr marL="285750" indent="-285750">
+              <a:buFont typeface="Arial" charset="0"/>
+              <a:buChar char="•"/>
+            </a:pPr>
+            <a:r>
+              <a:rPr lang="en-US" altLang="en-US" dirty="0" smtClean="0"/>
+              <a:t>Simple and easy to understand</a:t>
+            </a:r>
+          </a:p>
+          <a:p>
+            <a:pPr marL="285750" indent="-285750">
+              <a:buFont typeface="Arial" charset="0"/>
+              <a:buChar char="•"/>
+            </a:pPr>
+            <a:r>
+              <a:rPr lang="en-US" altLang="en-US" dirty="0" smtClean="0"/>
+              <a:t>Can be converted into simple and easy to understand classification rules</a:t>
+            </a:r>
+            <a:endParaRPr lang="en-US" altLang="en-US" dirty="0"/>
+          </a:p>
+        </p:txBody>
+      </p:sp>
+    </p:spTree>
+    <p:extLst>
+      <p:ext uri="{BB962C8B-B14F-4D97-AF65-F5344CB8AC3E}">
+        <p14:creationId xmlns:p14="http://schemas.microsoft.com/office/powerpoint/2010/main" val="766490553"/>
+      </p:ext>
+    </p:extLst>
+  </p:cSld>
+  <p:clrMapOvr>
+    <a:masterClrMapping/>
+  </p:clrMapOvr>
+  <p:timing>
+    <p:tnLst>
+      <p:par>
+        <p:cTn id="1" dur="indefinite" restart="never" nodeType="tmRoot"/>
+      </p:par>
+    </p:tnLst>
+  </p:timing>
+</p:sld>
+</file>
+
+<file path=ppt/slides/slide13.xml><?xml version="1.0" encoding="utf-8"?>
+<p:sld xmlns:a="http://schemas.openxmlformats.org/drawingml/2006/main" xmlns:r="http://schemas.openxmlformats.org/officeDocument/2006/relationships" xmlns:p="http://schemas.openxmlformats.org/presentationml/2006/main">
+  <p:cSld>
+    <p:spTree>
+      <p:nvGrpSpPr>
+        <p:cNvPr id="1" name=""/>
+        <p:cNvGrpSpPr/>
+        <p:nvPr/>
+      </p:nvGrpSpPr>
+      <p:grpSpPr>
+        <a:xfrm>
+          <a:off x="0" y="0"/>
+          <a:ext cx="0" cy="0"/>
+          <a:chOff x="0" y="0"/>
+          <a:chExt cx="0" cy="0"/>
+        </a:xfrm>
+      </p:grpSpPr>
+      <p:sp>
+        <p:nvSpPr>
+          <p:cNvPr id="2" name="Title 1"/>
+          <p:cNvSpPr>
+            <a:spLocks noGrp="1"/>
+          </p:cNvSpPr>
+          <p:nvPr>
+            <p:ph type="title"/>
+          </p:nvPr>
+        </p:nvSpPr>
+        <p:spPr/>
+        <p:txBody>
+          <a:bodyPr/>
+          <a:lstStyle/>
+          <a:p>
+            <a:r>
+              <a:rPr lang="en-US" dirty="0" smtClean="0"/>
+              <a:t>Confusion Matrix</a:t>
+            </a:r>
+            <a:endParaRPr lang="en-US" dirty="0"/>
+          </a:p>
+        </p:txBody>
+      </p:sp>
+      <p:pic>
+        <p:nvPicPr>
+          <p:cNvPr id="4" name="Content Placeholder 3"/>
+          <p:cNvPicPr>
+            <a:picLocks noGrp="1" noChangeAspect="1"/>
+          </p:cNvPicPr>
+          <p:nvPr>
+            <p:ph idx="1"/>
+          </p:nvPr>
+        </p:nvPicPr>
+        <p:blipFill rotWithShape="1">
+          <a:blip r:embed="rId2">
+            <a:extLst>
+              <a:ext uri="{28A0092B-C50C-407E-A947-70E740481C1C}">
+                <a14:useLocalDpi xmlns:a14="http://schemas.microsoft.com/office/drawing/2010/main" val="0"/>
+              </a:ext>
+            </a:extLst>
+          </a:blip>
+          <a:srcRect t="3495"/>
+          <a:stretch/>
+        </p:blipFill>
+        <p:spPr>
+          <a:xfrm>
+            <a:off x="6824134" y="1710267"/>
+            <a:ext cx="5198532" cy="4385733"/>
+          </a:xfrm>
+          <a:prstGeom prst="rect">
+            <a:avLst/>
+          </a:prstGeom>
+          <a:ln w="127000" cap="sq">
+            <a:solidFill>
+              <a:srgbClr val="000000"/>
+            </a:solidFill>
+            <a:miter lim="800000"/>
+          </a:ln>
+          <a:effectLst>
+            <a:outerShdw blurRad="57150" dist="50800" dir="2700000" algn="tl" rotWithShape="0">
+              <a:srgbClr val="000000">
+                <a:alpha val="40000"/>
+              </a:srgbClr>
+            </a:outerShdw>
+          </a:effectLst>
+        </p:spPr>
+      </p:pic>
+      <p:sp>
+        <p:nvSpPr>
+          <p:cNvPr id="5" name="Rectangle 4"/>
+          <p:cNvSpPr/>
+          <p:nvPr/>
+        </p:nvSpPr>
+        <p:spPr>
+          <a:xfrm>
+            <a:off x="541866" y="2174383"/>
+            <a:ext cx="6096000" cy="2031325"/>
+          </a:xfrm>
+          <a:prstGeom prst="rect">
+            <a:avLst/>
+          </a:prstGeom>
+        </p:spPr>
+        <p:txBody>
+          <a:bodyPr>
+            <a:spAutoFit/>
+          </a:bodyPr>
+          <a:lstStyle/>
+          <a:p>
+            <a:pPr marL="285750" indent="-285750">
+              <a:buFont typeface="Arial" charset="0"/>
+              <a:buChar char="•"/>
+            </a:pPr>
+            <a:r>
+              <a:rPr lang="en-US" b="0" i="0" dirty="0" smtClean="0">
+                <a:solidFill>
+                  <a:srgbClr val="000000"/>
+                </a:solidFill>
+                <a:effectLst/>
+                <a:latin typeface="Times New Roman" charset="0"/>
+                <a:ea typeface="Times New Roman" charset="0"/>
+                <a:cs typeface="Times New Roman" charset="0"/>
+              </a:rPr>
+              <a:t>Calculates a cross-tabulation of observed and predicted classes with associated statistics.</a:t>
+            </a:r>
+          </a:p>
+          <a:p>
+            <a:pPr marL="285750" indent="-285750">
+              <a:buFont typeface="Arial" charset="0"/>
+              <a:buChar char="•"/>
+            </a:pPr>
+            <a:r>
+              <a:rPr lang="en-US" b="0" i="0" dirty="0" smtClean="0">
+                <a:solidFill>
+                  <a:srgbClr val="000000"/>
+                </a:solidFill>
+                <a:effectLst/>
+                <a:latin typeface="Times New Roman" charset="0"/>
+                <a:ea typeface="Times New Roman" charset="0"/>
+                <a:cs typeface="Times New Roman" charset="0"/>
+              </a:rPr>
+              <a:t>The results are dependent on the </a:t>
+            </a:r>
+            <a:r>
+              <a:rPr lang="en-US" dirty="0" smtClean="0">
+                <a:solidFill>
+                  <a:srgbClr val="000000"/>
+                </a:solidFill>
+                <a:latin typeface="Times New Roman" charset="0"/>
+                <a:ea typeface="Times New Roman" charset="0"/>
+                <a:cs typeface="Times New Roman" charset="0"/>
+              </a:rPr>
+              <a:t>probability of the prediction.</a:t>
+            </a:r>
+          </a:p>
+          <a:p>
+            <a:pPr marL="285750" indent="-285750">
+              <a:buFont typeface="Arial" charset="0"/>
+              <a:buChar char="•"/>
+            </a:pPr>
+            <a:r>
+              <a:rPr lang="en-US" dirty="0" smtClean="0">
+                <a:solidFill>
+                  <a:srgbClr val="000000"/>
+                </a:solidFill>
+                <a:latin typeface="Times New Roman" charset="0"/>
+                <a:ea typeface="Times New Roman" charset="0"/>
+                <a:cs typeface="Times New Roman" charset="0"/>
+              </a:rPr>
+              <a:t>If we reduce the value of the probability the result of confusion matrix varies</a:t>
+            </a:r>
+            <a:r>
+              <a:rPr lang="en-US" b="0" i="0" dirty="0" smtClean="0">
+                <a:solidFill>
+                  <a:srgbClr val="000000"/>
+                </a:solidFill>
+                <a:effectLst/>
+                <a:latin typeface="Times New Roman" charset="0"/>
+                <a:ea typeface="Times New Roman" charset="0"/>
+                <a:cs typeface="Times New Roman" charset="0"/>
+              </a:rPr>
+              <a:t/>
+            </a:r>
+            <a:br>
+              <a:rPr lang="en-US" b="0" i="0" dirty="0" smtClean="0">
+                <a:solidFill>
+                  <a:srgbClr val="000000"/>
+                </a:solidFill>
+                <a:effectLst/>
+                <a:latin typeface="Times New Roman" charset="0"/>
+                <a:ea typeface="Times New Roman" charset="0"/>
+                <a:cs typeface="Times New Roman" charset="0"/>
+              </a:rPr>
+            </a:br>
+            <a:endParaRPr lang="en-US" b="0" i="0" dirty="0">
+              <a:solidFill>
+                <a:srgbClr val="000000"/>
+              </a:solidFill>
+              <a:effectLst/>
+              <a:latin typeface="Times New Roman" charset="0"/>
+              <a:ea typeface="Times New Roman" charset="0"/>
+              <a:cs typeface="Times New Roman" charset="0"/>
+            </a:endParaRPr>
+          </a:p>
+        </p:txBody>
+      </p:sp>
+    </p:spTree>
+    <p:extLst>
+      <p:ext uri="{BB962C8B-B14F-4D97-AF65-F5344CB8AC3E}">
+        <p14:creationId xmlns:p14="http://schemas.microsoft.com/office/powerpoint/2010/main" val="611253915"/>
+      </p:ext>
+    </p:extLst>
+  </p:cSld>
+  <p:clrMapOvr>
+    <a:masterClrMapping/>
+  </p:clrMapOvr>
+  <p:timing>
+    <p:tnLst>
+      <p:par>
+        <p:cTn id="1" dur="indefinite" restart="never" nodeType="tmRoot"/>
+      </p:par>
+    </p:tnLst>
+  </p:timing>
+</p:sld>
+</file>
+
+<file path=ppt/slides/slide14.xml><?xml version="1.0" encoding="utf-8"?>
+<p:sld xmlns:a="http://schemas.openxmlformats.org/drawingml/2006/main" xmlns:r="http://schemas.openxmlformats.org/officeDocument/2006/relationships" xmlns:p="http://schemas.openxmlformats.org/presentationml/2006/main">
+  <p:cSld>
+    <p:spTree>
+      <p:nvGrpSpPr>
+        <p:cNvPr id="1" name=""/>
+        <p:cNvGrpSpPr/>
+        <p:nvPr/>
+      </p:nvGrpSpPr>
+      <p:grpSpPr>
+        <a:xfrm>
+          <a:off x="0" y="0"/>
+          <a:ext cx="0" cy="0"/>
+          <a:chOff x="0" y="0"/>
+          <a:chExt cx="0" cy="0"/>
+        </a:xfrm>
+      </p:grpSpPr>
+      <p:sp>
+        <p:nvSpPr>
+          <p:cNvPr id="2" name="Title 1"/>
+          <p:cNvSpPr>
+            <a:spLocks noGrp="1"/>
+          </p:cNvSpPr>
+          <p:nvPr>
+            <p:ph type="title"/>
+          </p:nvPr>
+        </p:nvSpPr>
+        <p:spPr/>
+        <p:txBody>
+          <a:bodyPr/>
+          <a:lstStyle/>
+          <a:p>
+            <a:r>
+              <a:rPr lang="en-US" dirty="0" smtClean="0"/>
+              <a:t>ROC </a:t>
+            </a:r>
+            <a:r>
+              <a:rPr lang="en-US" dirty="0" err="1" smtClean="0"/>
+              <a:t>CUrve</a:t>
+            </a:r>
+            <a:endParaRPr lang="en-US" dirty="0"/>
+          </a:p>
+        </p:txBody>
+      </p:sp>
+      <p:pic>
+        <p:nvPicPr>
+          <p:cNvPr id="4" name="Content Placeholder 3"/>
+          <p:cNvPicPr>
+            <a:picLocks noGrp="1" noChangeAspect="1"/>
+          </p:cNvPicPr>
+          <p:nvPr>
+            <p:ph idx="1"/>
+          </p:nvPr>
+        </p:nvPicPr>
+        <p:blipFill>
+          <a:blip r:embed="rId2">
+            <a:extLst>
+              <a:ext uri="{28A0092B-C50C-407E-A947-70E740481C1C}">
+                <a14:useLocalDpi xmlns:a14="http://schemas.microsoft.com/office/drawing/2010/main" val="0"/>
+              </a:ext>
+            </a:extLst>
+          </a:blip>
+          <a:stretch>
+            <a:fillRect/>
+          </a:stretch>
+        </p:blipFill>
+        <p:spPr>
+          <a:xfrm>
+            <a:off x="2961914" y="2049992"/>
+            <a:ext cx="6514762" cy="3449638"/>
+          </a:xfrm>
+          <a:prstGeom prst="rect">
+            <a:avLst/>
+          </a:prstGeom>
+          <a:ln w="127000" cap="sq">
+            <a:solidFill>
+              <a:srgbClr val="000000"/>
+            </a:solidFill>
+            <a:miter lim="800000"/>
+          </a:ln>
+          <a:effectLst>
+            <a:outerShdw blurRad="57150" dist="50800" dir="2700000" algn="tl" rotWithShape="0">
+              <a:srgbClr val="000000">
+                <a:alpha val="40000"/>
+              </a:srgbClr>
+            </a:outerShdw>
+          </a:effectLst>
+        </p:spPr>
+      </p:pic>
+    </p:spTree>
+    <p:extLst>
+      <p:ext uri="{BB962C8B-B14F-4D97-AF65-F5344CB8AC3E}">
+        <p14:creationId xmlns:p14="http://schemas.microsoft.com/office/powerpoint/2010/main" val="70976785"/>
+      </p:ext>
+    </p:extLst>
+  </p:cSld>
+  <p:clrMapOvr>
+    <a:masterClrMapping/>
+  </p:clrMapOvr>
+  <p:timing>
+    <p:tnLst>
+      <p:par>
+        <p:cTn id="1" dur="indefinite" restart="never" nodeType="tmRoot"/>
+      </p:par>
+    </p:tnLst>
+  </p:timing>
+</p:sld>
+</file>
+
+<file path=ppt/slides/slide15.xml><?xml version="1.0" encoding="utf-8"?>
+<p:sld xmlns:a="http://schemas.openxmlformats.org/drawingml/2006/main" xmlns:r="http://schemas.openxmlformats.org/officeDocument/2006/relationships" xmlns:p="http://schemas.openxmlformats.org/presentationml/2006/main">
+  <p:cSld>
+    <p:spTree>
+      <p:nvGrpSpPr>
+        <p:cNvPr id="1" name=""/>
+        <p:cNvGrpSpPr/>
+        <p:nvPr/>
+      </p:nvGrpSpPr>
+      <p:grpSpPr>
+        <a:xfrm>
+          <a:off x="0" y="0"/>
+          <a:ext cx="0" cy="0"/>
+          <a:chOff x="0" y="0"/>
+          <a:chExt cx="0" cy="0"/>
+        </a:xfrm>
+      </p:grpSpPr>
+      <p:sp>
+        <p:nvSpPr>
+          <p:cNvPr id="2" name="Title 1"/>
+          <p:cNvSpPr>
+            <a:spLocks noGrp="1"/>
+          </p:cNvSpPr>
+          <p:nvPr>
+            <p:ph type="title"/>
+          </p:nvPr>
+        </p:nvSpPr>
+        <p:spPr/>
+        <p:txBody>
+          <a:bodyPr/>
+          <a:lstStyle/>
+          <a:p>
+            <a:r>
+              <a:rPr lang="en-US" dirty="0" smtClean="0"/>
+              <a:t>Lift </a:t>
+            </a:r>
+            <a:r>
+              <a:rPr lang="en-US" dirty="0" err="1" smtClean="0"/>
+              <a:t>CHart</a:t>
+            </a:r>
+            <a:endParaRPr lang="en-US" dirty="0"/>
+          </a:p>
+        </p:txBody>
+      </p:sp>
+      <p:pic>
+        <p:nvPicPr>
+          <p:cNvPr id="4" name="Content Placeholder 3"/>
+          <p:cNvPicPr>
+            <a:picLocks noGrp="1" noChangeAspect="1"/>
+          </p:cNvPicPr>
+          <p:nvPr>
+            <p:ph idx="1"/>
+          </p:nvPr>
+        </p:nvPicPr>
+        <p:blipFill>
+          <a:blip r:embed="rId2">
+            <a:extLst>
+              <a:ext uri="{28A0092B-C50C-407E-A947-70E740481C1C}">
+                <a14:useLocalDpi xmlns:a14="http://schemas.microsoft.com/office/drawing/2010/main" val="0"/>
+              </a:ext>
+            </a:extLst>
+          </a:blip>
+          <a:stretch>
+            <a:fillRect/>
+          </a:stretch>
+        </p:blipFill>
+        <p:spPr>
+          <a:xfrm>
+            <a:off x="3075314" y="2016125"/>
+            <a:ext cx="6355696" cy="3449638"/>
+          </a:xfrm>
+          <a:prstGeom prst="rect">
+            <a:avLst/>
+          </a:prstGeom>
+          <a:ln w="127000" cap="sq">
+            <a:solidFill>
+              <a:srgbClr val="000000"/>
+            </a:solidFill>
+            <a:miter lim="800000"/>
+          </a:ln>
+          <a:effectLst>
+            <a:outerShdw blurRad="57150" dist="50800" dir="2700000" algn="tl" rotWithShape="0">
+              <a:srgbClr val="000000">
+                <a:alpha val="40000"/>
+              </a:srgbClr>
+            </a:outerShdw>
+          </a:effectLst>
+        </p:spPr>
+      </p:pic>
+    </p:spTree>
+    <p:extLst>
+      <p:ext uri="{BB962C8B-B14F-4D97-AF65-F5344CB8AC3E}">
+        <p14:creationId xmlns:p14="http://schemas.microsoft.com/office/powerpoint/2010/main" val="662312002"/>
+      </p:ext>
+    </p:extLst>
+  </p:cSld>
+  <p:clrMapOvr>
+    <a:masterClrMapping/>
+  </p:clrMapOvr>
+  <p:timing>
+    <p:tnLst>
+      <p:par>
+        <p:cTn id="1" dur="indefinite" restart="never" nodeType="tmRoot"/>
+      </p:par>
+    </p:tnLst>
+  </p:timing>
+</p:sld>
+</file>
+
+<file path=ppt/slides/slide16.xml><?xml version="1.0" encoding="utf-8"?>
+<p:sld xmlns:a="http://schemas.openxmlformats.org/drawingml/2006/main" xmlns:r="http://schemas.openxmlformats.org/officeDocument/2006/relationships" xmlns:p="http://schemas.openxmlformats.org/presentationml/2006/main">
+  <p:cSld>
+    <p:spTree>
+      <p:nvGrpSpPr>
+        <p:cNvPr id="1" name=""/>
+        <p:cNvGrpSpPr/>
+        <p:nvPr/>
+      </p:nvGrpSpPr>
+      <p:grpSpPr>
+        <a:xfrm>
+          <a:off x="0" y="0"/>
+          <a:ext cx="0" cy="0"/>
+          <a:chOff x="0" y="0"/>
+          <a:chExt cx="0" cy="0"/>
+        </a:xfrm>
+      </p:grpSpPr>
+      <p:sp>
+        <p:nvSpPr>
+          <p:cNvPr id="2" name="Title 1"/>
+          <p:cNvSpPr>
+            <a:spLocks noGrp="1"/>
+          </p:cNvSpPr>
+          <p:nvPr>
+            <p:ph type="title"/>
+          </p:nvPr>
+        </p:nvSpPr>
+        <p:spPr/>
+        <p:txBody>
+          <a:bodyPr/>
+          <a:lstStyle/>
+          <a:p>
+            <a:r>
+              <a:rPr lang="en-US" dirty="0" smtClean="0"/>
+              <a:t>Best Model</a:t>
+            </a:r>
+            <a:endParaRPr lang="en-US" dirty="0"/>
+          </a:p>
+        </p:txBody>
+      </p:sp>
+      <p:sp>
+        <p:nvSpPr>
+          <p:cNvPr id="3" name="Content Placeholder 2"/>
+          <p:cNvSpPr>
+            <a:spLocks noGrp="1"/>
+          </p:cNvSpPr>
+          <p:nvPr>
+            <p:ph idx="1"/>
+          </p:nvPr>
+        </p:nvSpPr>
+        <p:spPr/>
+        <p:txBody>
+          <a:bodyPr/>
+          <a:lstStyle/>
+          <a:p>
+            <a:r>
+              <a:rPr lang="en-US" dirty="0"/>
+              <a:t>L</a:t>
+            </a:r>
+            <a:r>
+              <a:rPr lang="en-US" dirty="0" smtClean="0"/>
+              <a:t>ooking at overall ROC curves and Lift Charts</a:t>
+            </a:r>
+          </a:p>
+          <a:p>
+            <a:r>
+              <a:rPr lang="en-US" dirty="0" smtClean="0"/>
+              <a:t>We select the best model as Classification tree.</a:t>
+            </a:r>
+          </a:p>
+          <a:p>
+            <a:r>
+              <a:rPr lang="en-US" dirty="0" smtClean="0"/>
+              <a:t>Neural network model has average performance</a:t>
+            </a:r>
+          </a:p>
+          <a:p>
+            <a:endParaRPr lang="en-US" dirty="0" smtClean="0"/>
+          </a:p>
+        </p:txBody>
+      </p:sp>
+    </p:spTree>
+    <p:extLst>
+      <p:ext uri="{BB962C8B-B14F-4D97-AF65-F5344CB8AC3E}">
+        <p14:creationId xmlns:p14="http://schemas.microsoft.com/office/powerpoint/2010/main" val="1536181575"/>
+      </p:ext>
+    </p:extLst>
+  </p:cSld>
+  <p:clrMapOvr>
+    <a:masterClrMapping/>
+  </p:clrMapOvr>
+  <p:timing>
+    <p:tnLst>
+      <p:par>
+        <p:cTn id="1" dur="indefinite" restart="never" nodeType="tmRoot"/>
+      </p:par>
+    </p:tnLst>
+  </p:timing>
+</p:sld>
+</file>
+
+<file path=ppt/slides/slide17.xml><?xml version="1.0" encoding="utf-8"?>
+<p:sld xmlns:a="http://schemas.openxmlformats.org/drawingml/2006/main" xmlns:r="http://schemas.openxmlformats.org/officeDocument/2006/relationships" xmlns:p="http://schemas.openxmlformats.org/presentationml/2006/main">
+  <p:cSld>
+    <p:spTree>
+      <p:nvGrpSpPr>
+        <p:cNvPr id="1" name=""/>
+        <p:cNvGrpSpPr/>
+        <p:nvPr/>
+      </p:nvGrpSpPr>
+      <p:grpSpPr>
+        <a:xfrm>
+          <a:off x="0" y="0"/>
+          <a:ext cx="0" cy="0"/>
+          <a:chOff x="0" y="0"/>
+          <a:chExt cx="0" cy="0"/>
+        </a:xfrm>
+      </p:grpSpPr>
+      <p:sp>
+        <p:nvSpPr>
+          <p:cNvPr id="2" name="Title 1"/>
+          <p:cNvSpPr>
+            <a:spLocks noGrp="1"/>
+          </p:cNvSpPr>
+          <p:nvPr>
+            <p:ph type="title"/>
+          </p:nvPr>
+        </p:nvSpPr>
+        <p:spPr/>
+        <p:txBody>
           <a:bodyPr>
             <a:normAutofit/>
           </a:bodyPr>
@@ -4011,42 +4944,6 @@
                 <a:srgbClr val="00B0F0"/>
               </a:solidFill>
             </a:endParaRPr>
-          </a:p>
-        </p:txBody>
-      </p:sp>
-      <p:sp>
-        <p:nvSpPr>
-          <p:cNvPr id="3" name="Content Placeholder 2"/>
-          <p:cNvSpPr>
-            <a:spLocks noGrp="1"/>
-          </p:cNvSpPr>
-          <p:nvPr>
-            <p:ph idx="1"/>
-          </p:nvPr>
-        </p:nvSpPr>
-        <p:spPr/>
-        <p:txBody>
-          <a:bodyPr/>
-          <a:lstStyle/>
-          <a:p>
-            <a:pPr marL="0" marR="0" lvl="0" indent="0" defTabSz="914400" eaLnBrk="1" fontAlgn="auto" latinLnBrk="0" hangingPunct="1">
-              <a:lnSpc>
-                <a:spcPct val="100000"/>
-              </a:lnSpc>
-              <a:spcBef>
-                <a:spcPts val="0"/>
-              </a:spcBef>
-              <a:spcAft>
-                <a:spcPts val="0"/>
-              </a:spcAft>
-              <a:buClrTx/>
-              <a:buSzTx/>
-              <a:buFontTx/>
-              <a:buNone/>
-              <a:tabLst/>
-              <a:defRPr/>
-            </a:pPr>
-            <a:endParaRPr lang="en-US" dirty="0"/>
           </a:p>
         </p:txBody>
       </p:sp>
@@ -4468,6 +5365,22 @@
             <a:off x="1320801" y="1447353"/>
             <a:ext cx="9973732" cy="4005180"/>
           </a:xfrm>
+          <a:prstGeom prst="rect">
+            <a:avLst/>
+          </a:prstGeom>
+          <a:ln w="127000" cap="sq">
+            <a:solidFill>
+              <a:srgbClr val="000000"/>
+            </a:solidFill>
+            <a:miter lim="800000"/>
+          </a:ln>
+          <a:effectLst>
+            <a:outerShdw blurRad="57150" dist="50800" dir="2700000" algn="tl" rotWithShape="0">
+              <a:srgbClr val="000000">
+                <a:alpha val="40000"/>
+              </a:srgbClr>
+            </a:outerShdw>
+          </a:effectLst>
         </p:spPr>
       </p:pic>
       <p:sp>
@@ -4556,34 +5469,6 @@
           </a:p>
         </p:txBody>
       </p:sp>
-      <p:pic>
-        <p:nvPicPr>
-          <p:cNvPr id="4" name="Content Placeholder 3"/>
-          <p:cNvPicPr>
-            <a:picLocks noGrp="1" noChangeAspect="1"/>
-          </p:cNvPicPr>
-          <p:nvPr>
-            <p:ph idx="1"/>
-          </p:nvPr>
-        </p:nvPicPr>
-        <p:blipFill rotWithShape="1">
-          <a:blip r:embed="rId2">
-            <a:extLst>
-              <a:ext uri="{28A0092B-C50C-407E-A947-70E740481C1C}">
-                <a14:useLocalDpi xmlns:a14="http://schemas.microsoft.com/office/drawing/2010/main" val="0"/>
-              </a:ext>
-            </a:extLst>
-          </a:blip>
-          <a:srcRect t="3495"/>
-          <a:stretch/>
-        </p:blipFill>
-        <p:spPr>
-          <a:xfrm>
-            <a:off x="6824134" y="1710267"/>
-            <a:ext cx="5198532" cy="4385733"/>
-          </a:xfrm>
-        </p:spPr>
-      </p:pic>
       <p:sp>
         <p:nvSpPr>
           <p:cNvPr id="5" name="Rectangle 4"/>
@@ -4702,10 +5587,55 @@
           </a:p>
         </p:txBody>
       </p:sp>
+      <p:pic>
+        <p:nvPicPr>
+          <p:cNvPr id="6" name="Content Placeholder 5"/>
+          <p:cNvPicPr>
+            <a:picLocks noGrp="1" noChangeAspect="1"/>
+          </p:cNvPicPr>
+          <p:nvPr>
+            <p:ph idx="1"/>
+          </p:nvPr>
+        </p:nvPicPr>
+        <p:blipFill>
+          <a:blip r:embed="rId2">
+            <a:extLst>
+              <a:ext uri="{28A0092B-C50C-407E-A947-70E740481C1C}">
+                <a14:useLocalDpi xmlns:a14="http://schemas.microsoft.com/office/drawing/2010/main" val="0"/>
+              </a:ext>
+            </a:extLst>
+          </a:blip>
+          <a:stretch>
+            <a:fillRect/>
+          </a:stretch>
+        </p:blipFill>
+        <p:spPr>
+          <a:xfrm>
+            <a:off x="6600274" y="1989220"/>
+            <a:ext cx="4454580" cy="3449638"/>
+          </a:xfrm>
+          <a:prstGeom prst="rect">
+            <a:avLst/>
+          </a:prstGeom>
+          <a:ln w="127000" cap="sq">
+            <a:solidFill>
+              <a:srgbClr val="000000"/>
+            </a:solidFill>
+            <a:miter lim="800000"/>
+          </a:ln>
+          <a:effectLst>
+            <a:outerShdw blurRad="57150" dist="50800" dir="2700000" algn="tl" rotWithShape="0">
+              <a:srgbClr val="000000">
+                <a:alpha val="40000"/>
+              </a:srgbClr>
+            </a:outerShdw>
+          </a:effectLst>
+        </p:spPr>
+      </p:pic>
     </p:spTree>
     <p:extLst>
       <p:ext uri="{BB962C8B-B14F-4D97-AF65-F5344CB8AC3E}">
-        <p14:creationId xmlns:p14="http://schemas.microsoft.com/office/powerpoint/2010/main" val="1401494901"/>
+        <p14:creationId xmlns:p14="http://schemas.microsoft.com/office/powerpoint/2010/main" val="655432938"/>
       </p:ext>
     </p:extLst>
   </p:cSld>
@@ -4768,11 +5698,7 @@
             </a:br>
             <a:r>
               <a:rPr lang="en-US" sz="2000" dirty="0"/>
-              <a:t>(</a:t>
-            </a:r>
-            <a:r>
-              <a:rPr lang="en-US" sz="2000" dirty="0"/>
-              <a:t> </a:t>
+              <a:t>( </a:t>
             </a:r>
             <a:r>
               <a:rPr lang="en-US" sz="2000" dirty="0" smtClean="0"/>
@@ -4809,6 +5735,22 @@
             <a:off x="6598369" y="1953290"/>
             <a:ext cx="5438618" cy="3449638"/>
           </a:xfrm>
+          <a:prstGeom prst="rect">
+            <a:avLst/>
+          </a:prstGeom>
+          <a:ln w="127000" cap="sq">
+            <a:solidFill>
+              <a:srgbClr val="000000"/>
+            </a:solidFill>
+            <a:miter lim="800000"/>
+          </a:ln>
+          <a:effectLst>
+            <a:outerShdw blurRad="57150" dist="50800" dir="2700000" algn="tl" rotWithShape="0">
+              <a:srgbClr val="000000">
+                <a:alpha val="40000"/>
+              </a:srgbClr>
+            </a:outerShdw>
+          </a:effectLst>
         </p:spPr>
       </p:pic>
       <p:sp>
@@ -5032,6 +5974,21 @@
             <a:off x="5689600" y="1853754"/>
             <a:ext cx="6036138" cy="3449638"/>
           </a:xfrm>
+          <a:prstGeom prst="rect">
+            <a:avLst/>
+          </a:prstGeom>
+          <a:ln w="88900" cap="sq" cmpd="thickThin">
+            <a:solidFill>
+              <a:srgbClr val="000000"/>
+            </a:solidFill>
+            <a:prstDash val="solid"/>
+            <a:miter lim="800000"/>
+          </a:ln>
+          <a:effectLst>
+            <a:innerShdw blurRad="76200">
+              <a:srgbClr val="000000"/>
+            </a:innerShdw>
+          </a:effectLst>
         </p:spPr>
       </p:pic>
       <p:sp>
@@ -5166,7 +6123,7 @@
           <a:p>
             <a:r>
               <a:rPr lang="en-US" dirty="0" smtClean="0"/>
-              <a:t>Neural Network</a:t>
+              <a:t>Data visualization</a:t>
             </a:r>
             <a:endParaRPr lang="en-US" dirty="0"/>
           </a:p>
@@ -5182,7 +6139,7 @@
             <p:ph idx="1"/>
           </p:nvPr>
         </p:nvPicPr>
-        <p:blipFill rotWithShape="1">
+        <p:blipFill>
           <a:blip r:embed="rId2">
             <a:extLst>
               <a:ext uri="{28A0092B-C50C-407E-A947-70E740481C1C}">
@@ -5190,20 +6147,138 @@
               </a:ext>
             </a:extLst>
           </a:blip>
-          <a:srcRect t="3131"/>
-          <a:stretch/>
+          <a:stretch>
+            <a:fillRect/>
+          </a:stretch>
         </p:blipFill>
         <p:spPr>
           <a:xfrm>
-            <a:off x="118534" y="1853753"/>
-            <a:ext cx="11565466" cy="4191445"/>
-          </a:xfrm>
+            <a:off x="434101" y="2318445"/>
+            <a:ext cx="3026686" cy="2643022"/>
+          </a:xfrm>
+          <a:prstGeom prst="rect">
+            <a:avLst/>
+          </a:prstGeom>
+          <a:solidFill>
+            <a:srgbClr val="000000">
+              <a:shade val="95000"/>
+            </a:srgbClr>
+          </a:solidFill>
+          <a:ln w="444500" cap="sq">
+            <a:solidFill>
+              <a:srgbClr val="000000"/>
+            </a:solidFill>
+            <a:miter lim="800000"/>
+          </a:ln>
+          <a:effectLst>
+            <a:outerShdw blurRad="254000" dist="190500" dir="2700000" sy="90000" algn="bl" rotWithShape="0">
+              <a:srgbClr val="000000">
+                <a:alpha val="40000"/>
+              </a:srgbClr>
+            </a:outerShdw>
+          </a:effectLst>
+        </p:spPr>
+      </p:pic>
+      <p:pic>
+        <p:nvPicPr>
+          <p:cNvPr id="5" name="Picture 4"/>
+          <p:cNvPicPr>
+            <a:picLocks noChangeAspect="1"/>
+          </p:cNvPicPr>
+          <p:nvPr/>
+        </p:nvPicPr>
+        <p:blipFill>
+          <a:blip r:embed="rId3">
+            <a:extLst>
+              <a:ext uri="{28A0092B-C50C-407E-A947-70E740481C1C}">
+                <a14:useLocalDpi xmlns:a14="http://schemas.microsoft.com/office/drawing/2010/main" val="0"/>
+              </a:ext>
+            </a:extLst>
+          </a:blip>
+          <a:stretch>
+            <a:fillRect/>
+          </a:stretch>
+        </p:blipFill>
+        <p:spPr>
+          <a:xfrm>
+            <a:off x="4569921" y="2318445"/>
+            <a:ext cx="2836245" cy="2643022"/>
+          </a:xfrm>
+          <a:prstGeom prst="rect">
+            <a:avLst/>
+          </a:prstGeom>
+          <a:solidFill>
+            <a:srgbClr val="000000">
+              <a:shade val="95000"/>
+            </a:srgbClr>
+          </a:solidFill>
+          <a:ln w="444500" cap="sq">
+            <a:solidFill>
+              <a:srgbClr val="000000"/>
+            </a:solidFill>
+            <a:miter lim="800000"/>
+          </a:ln>
+          <a:effectLst>
+            <a:outerShdw blurRad="254000" dist="190500" dir="2700000" sy="90000" algn="bl" rotWithShape="0">
+              <a:srgbClr val="000000">
+                <a:alpha val="40000"/>
+              </a:srgbClr>
+            </a:outerShdw>
+          </a:effectLst>
+        </p:spPr>
+      </p:pic>
+      <p:pic>
+        <p:nvPicPr>
+          <p:cNvPr id="6" name="Picture 5"/>
+          <p:cNvPicPr>
+            <a:picLocks noChangeAspect="1"/>
+          </p:cNvPicPr>
+          <p:nvPr/>
+        </p:nvPicPr>
+        <p:blipFill>
+          <a:blip r:embed="rId4">
+            <a:extLst>
+              <a:ext uri="{28A0092B-C50C-407E-A947-70E740481C1C}">
+                <a14:useLocalDpi xmlns:a14="http://schemas.microsoft.com/office/drawing/2010/main" val="0"/>
+              </a:ext>
+            </a:extLst>
+          </a:blip>
+          <a:stretch>
+            <a:fillRect/>
+          </a:stretch>
+        </p:blipFill>
+        <p:spPr>
+          <a:xfrm>
+            <a:off x="8515300" y="2318445"/>
+            <a:ext cx="2900369" cy="2643022"/>
+          </a:xfrm>
+          <a:prstGeom prst="rect">
+            <a:avLst/>
+          </a:prstGeom>
+          <a:solidFill>
+            <a:srgbClr val="000000">
+              <a:shade val="95000"/>
+            </a:srgbClr>
+          </a:solidFill>
+          <a:ln w="444500" cap="sq">
+            <a:solidFill>
+              <a:srgbClr val="000000"/>
+            </a:solidFill>
+            <a:miter lim="800000"/>
+          </a:ln>
+          <a:effectLst>
+            <a:outerShdw blurRad="254000" dist="190500" dir="2700000" sy="90000" algn="bl" rotWithShape="0">
+              <a:srgbClr val="000000">
+                <a:alpha val="40000"/>
+              </a:srgbClr>
+            </a:outerShdw>
+          </a:effectLst>
         </p:spPr>
       </p:pic>
     </p:spTree>
     <p:extLst>
       <p:ext uri="{BB962C8B-B14F-4D97-AF65-F5344CB8AC3E}">
-        <p14:creationId xmlns:p14="http://schemas.microsoft.com/office/powerpoint/2010/main" val="1490404473"/>
+        <p14:creationId xmlns:p14="http://schemas.microsoft.com/office/powerpoint/2010/main" val="844412979"/>
       </p:ext>
     </p:extLst>
   </p:cSld>
@@ -5253,12 +6328,9 @@
           <a:lstStyle/>
           <a:p>
             <a:r>
-              <a:rPr lang="en-US" dirty="0"/>
-              <a:t>Classification trees</a:t>
-            </a:r>
-            <a:br>
-              <a:rPr lang="en-US" dirty="0"/>
-            </a:br>
+              <a:rPr lang="en-US" dirty="0" smtClean="0"/>
+              <a:t>Neural Network</a:t>
+            </a:r>
             <a:endParaRPr lang="en-US" dirty="0"/>
           </a:p>
         </p:txBody>
@@ -5273,7 +6345,7 @@
             <p:ph idx="1"/>
           </p:nvPr>
         </p:nvPicPr>
-        <p:blipFill>
+        <p:blipFill rotWithShape="1">
           <a:blip r:embed="rId2">
             <a:extLst>
               <a:ext uri="{28A0092B-C50C-407E-A947-70E740481C1C}">
@@ -5281,84 +6353,36 @@
               </a:ext>
             </a:extLst>
           </a:blip>
-          <a:stretch>
-            <a:fillRect/>
-          </a:stretch>
+          <a:srcRect t="3131"/>
+          <a:stretch/>
         </p:blipFill>
         <p:spPr>
           <a:xfrm>
-            <a:off x="8256344" y="1853754"/>
-            <a:ext cx="3308836" cy="3449638"/>
-          </a:xfrm>
-        </p:spPr>
-      </p:pic>
-      <p:sp>
-        <p:nvSpPr>
-          <p:cNvPr id="5" name="Rectangle 4"/>
-          <p:cNvSpPr/>
-          <p:nvPr/>
-        </p:nvSpPr>
-        <p:spPr>
-          <a:xfrm>
-            <a:off x="1088549" y="2467170"/>
-            <a:ext cx="6096000" cy="1754326"/>
+            <a:off x="118534" y="1853753"/>
+            <a:ext cx="11565466" cy="4191445"/>
           </a:xfrm>
           <a:prstGeom prst="rect">
             <a:avLst/>
           </a:prstGeom>
-        </p:spPr>
-        <p:txBody>
-          <a:bodyPr>
-            <a:spAutoFit/>
-          </a:bodyPr>
-          <a:lstStyle/>
-          <a:p>
-            <a:pPr marL="285750" indent="-285750">
-              <a:buFont typeface="Arial" charset="0"/>
-              <a:buChar char="•"/>
-            </a:pPr>
-            <a:r>
-              <a:rPr lang="en-US" altLang="en-US" dirty="0" smtClean="0"/>
-              <a:t>Relatively fast compared to other classification models</a:t>
-            </a:r>
-          </a:p>
-          <a:p>
-            <a:pPr marL="285750" indent="-285750">
-              <a:buFont typeface="Arial" charset="0"/>
-              <a:buChar char="•"/>
-            </a:pPr>
-            <a:r>
-              <a:rPr lang="en-US" altLang="en-US" dirty="0" smtClean="0"/>
-              <a:t>Obtain similar and sometimes better accuracy compared to other models</a:t>
-            </a:r>
-          </a:p>
-          <a:p>
-            <a:pPr marL="285750" indent="-285750">
-              <a:buFont typeface="Arial" charset="0"/>
-              <a:buChar char="•"/>
-            </a:pPr>
-            <a:r>
-              <a:rPr lang="en-US" altLang="en-US" dirty="0" smtClean="0"/>
-              <a:t>Simple and easy to understand</a:t>
-            </a:r>
-          </a:p>
-          <a:p>
-            <a:pPr marL="285750" indent="-285750">
-              <a:buFont typeface="Arial" charset="0"/>
-              <a:buChar char="•"/>
-            </a:pPr>
-            <a:r>
-              <a:rPr lang="en-US" altLang="en-US" dirty="0" smtClean="0"/>
-              <a:t>Can be converted into simple and easy to understand classification rules</a:t>
-            </a:r>
-            <a:endParaRPr lang="en-US" altLang="en-US" dirty="0"/>
-          </a:p>
-        </p:txBody>
-      </p:sp>
+          <a:ln w="127000" cap="sq">
+            <a:solidFill>
+              <a:srgbClr val="000000"/>
+            </a:solidFill>
+            <a:miter lim="800000"/>
+          </a:ln>
+          <a:effectLst>
+            <a:outerShdw blurRad="57150" dist="50800" dir="2700000" algn="tl" rotWithShape="0">
+              <a:srgbClr val="000000">
+                <a:alpha val="40000"/>
+              </a:srgbClr>
+            </a:outerShdw>
+          </a:effectLst>
+        </p:spPr>
+      </p:pic>
     </p:spTree>
     <p:extLst>
       <p:ext uri="{BB962C8B-B14F-4D97-AF65-F5344CB8AC3E}">
-        <p14:creationId xmlns:p14="http://schemas.microsoft.com/office/powerpoint/2010/main" val="766490553"/>
+        <p14:creationId xmlns:p14="http://schemas.microsoft.com/office/powerpoint/2010/main" val="1490404473"/>
       </p:ext>
     </p:extLst>
   </p:cSld>
